--- a/inflearn06/doc/6.암호화기능을구현합니다.pptx
+++ b/inflearn06/doc/6.암호화기능을구현합니다.pptx
@@ -5,10 +5,10 @@
     <p:sldMasterId id="2147483648" r:id="rId1"/>
   </p:sldMasterIdLst>
   <p:notesMasterIdLst>
-    <p:notesMasterId r:id="rId11"/>
+    <p:notesMasterId r:id="rId12"/>
   </p:notesMasterIdLst>
   <p:handoutMasterIdLst>
-    <p:handoutMasterId r:id="rId12"/>
+    <p:handoutMasterId r:id="rId13"/>
   </p:handoutMasterIdLst>
   <p:sldIdLst>
     <p:sldId id="261" r:id="rId2"/>
@@ -16,10 +16,11 @@
     <p:sldId id="296" r:id="rId4"/>
     <p:sldId id="293" r:id="rId5"/>
     <p:sldId id="294" r:id="rId6"/>
-    <p:sldId id="288" r:id="rId7"/>
-    <p:sldId id="295" r:id="rId8"/>
-    <p:sldId id="271" r:id="rId9"/>
-    <p:sldId id="297" r:id="rId10"/>
+    <p:sldId id="299" r:id="rId7"/>
+    <p:sldId id="301" r:id="rId8"/>
+    <p:sldId id="305" r:id="rId9"/>
+    <p:sldId id="303" r:id="rId10"/>
+    <p:sldId id="304" r:id="rId11"/>
   </p:sldIdLst>
   <p:sldSz cx="12192000" cy="6858000"/>
   <p:notesSz cx="6858000" cy="9144000"/>
@@ -645,7 +646,7 @@
                 <a:latin typeface="맑은 고딕" panose="020B0503020000020004" pitchFamily="50" charset="-127"/>
                 <a:ea typeface="맑은 고딕" panose="020B0503020000020004" pitchFamily="50" charset="-127"/>
               </a:rPr>
-              <a:t>2021년 7월 19일</a:t>
+              <a:t>2021년 8월 6일</a:t>
             </a:fld>
             <a:endParaRPr lang="ko-KR" altLang="en-US">
               <a:latin typeface="맑은 고딕" panose="020B0503020000020004" pitchFamily="50" charset="-127"/>
@@ -831,7 +832,7 @@
             <a:fld id="{BE16EC8A-0758-4FA9-BF4D-3119057076D1}" type="datetime4">
               <a:rPr lang="ko-KR" altLang="en-US" smtClean="0"/>
               <a:pPr/>
-              <a:t>2021년 7월 19일</a:t>
+              <a:t>2021년 8월 6일</a:t>
             </a:fld>
             <a:endParaRPr lang="ko-KR" altLang="en-US"/>
           </a:p>
@@ -3407,7 +3408,7 @@
           <a:p>
             <a:fld id="{2A5B65E4-62A8-4988-B07B-5D6D443B14ED}" type="datetime4">
               <a:rPr lang="ko-KR" altLang="en-US" smtClean="0"/>
-              <a:t>2021년 7월 19일</a:t>
+              <a:t>2021년 8월 6일</a:t>
             </a:fld>
             <a:endParaRPr lang="ko-KR" altLang="en-US"/>
           </a:p>
@@ -3663,7 +3664,7 @@
           <a:p>
             <a:fld id="{58EB6286-0DE7-4336-9826-977AD102FCF2}" type="datetime4">
               <a:rPr lang="ko-KR" altLang="en-US" noProof="0" smtClean="0"/>
-              <a:t>2021년 7월 19일</a:t>
+              <a:t>2021년 8월 6일</a:t>
             </a:fld>
             <a:endParaRPr lang="ko-KR" altLang="en-US" noProof="0"/>
           </a:p>
@@ -3859,7 +3860,7 @@
             <a:pPr rtl="0"/>
             <a:fld id="{6A5419DA-7218-42E5-A443-F000500111E1}" type="datetime4">
               <a:rPr lang="ko-KR" altLang="en-US" noProof="0" smtClean="0"/>
-              <a:t>2021년 7월 19일</a:t>
+              <a:t>2021년 8월 6일</a:t>
             </a:fld>
             <a:endParaRPr lang="ko-KR" altLang="en-US" noProof="0"/>
           </a:p>
@@ -6260,7 +6261,7 @@
           <a:p>
             <a:fld id="{E498C52F-1DF1-4226-BAB6-C1E2EE4C9D62}" type="datetime4">
               <a:rPr lang="ko-KR" altLang="en-US" noProof="0" smtClean="0"/>
-              <a:t>2021년 7월 19일</a:t>
+              <a:t>2021년 8월 6일</a:t>
             </a:fld>
             <a:endParaRPr lang="ko-KR" altLang="en-US" noProof="0"/>
           </a:p>
@@ -6779,7 +6780,7 @@
           <a:p>
             <a:fld id="{7B1E1FFC-F755-4558-8D3C-A157D1A01A8A}" type="datetime4">
               <a:rPr lang="ko-KR" altLang="en-US" noProof="0" smtClean="0"/>
-              <a:t>2021년 7월 19일</a:t>
+              <a:t>2021년 8월 6일</a:t>
             </a:fld>
             <a:endParaRPr lang="ko-KR" altLang="en-US" noProof="0"/>
           </a:p>
@@ -6923,7 +6924,7 @@
             <a:pPr rtl="0"/>
             <a:fld id="{DA2A33C0-A4A8-4C90-B6DA-35B8CF58C816}" type="datetime4">
               <a:rPr lang="ko-KR" altLang="en-US" noProof="0" smtClean="0"/>
-              <a:t>2021년 7월 19일</a:t>
+              <a:t>2021년 8월 6일</a:t>
             </a:fld>
             <a:endParaRPr lang="ko-KR" altLang="en-US" noProof="0"/>
           </a:p>
@@ -8871,7 +8872,7 @@
           <a:p>
             <a:fld id="{53CB1B8F-A14A-4BE4-A9B9-3B263F04145C}" type="datetime4">
               <a:rPr lang="ko-KR" altLang="en-US" noProof="0" smtClean="0"/>
-              <a:t>2021년 7월 19일</a:t>
+              <a:t>2021년 8월 6일</a:t>
             </a:fld>
             <a:endParaRPr lang="ko-KR" altLang="en-US" noProof="0"/>
           </a:p>
@@ -11168,7 +11169,7 @@
           <a:p>
             <a:fld id="{5B9196A3-957C-4113-A568-B6ED9AEA3D01}" type="datetime4">
               <a:rPr lang="ko-KR" altLang="en-US" noProof="0" smtClean="0"/>
-              <a:t>2021년 7월 19일</a:t>
+              <a:t>2021년 8월 6일</a:t>
             </a:fld>
             <a:endParaRPr lang="ko-KR" altLang="en-US" noProof="0"/>
           </a:p>
@@ -15485,7 +15486,7 @@
           <a:p>
             <a:fld id="{28BEB146-D335-4DA5-9826-58595BCDBE2E}" type="datetime4">
               <a:rPr lang="ko-KR" altLang="en-US" noProof="0" smtClean="0"/>
-              <a:t>2021년 7월 19일</a:t>
+              <a:t>2021년 8월 6일</a:t>
             </a:fld>
             <a:endParaRPr lang="ko-KR" altLang="en-US" noProof="0"/>
           </a:p>
@@ -16051,6 +16052,152 @@
 </p:sld>
 </file>
 
+<file path=ppt/slides/slide10.xml><?xml version="1.0" encoding="utf-8"?>
+<p:sld xmlns:a="http://schemas.openxmlformats.org/drawingml/2006/main" xmlns:r="http://schemas.openxmlformats.org/officeDocument/2006/relationships" xmlns:p="http://schemas.openxmlformats.org/presentationml/2006/main">
+  <p:cSld>
+    <p:spTree>
+      <p:nvGrpSpPr>
+        <p:cNvPr id="1" name=""/>
+        <p:cNvGrpSpPr/>
+        <p:nvPr/>
+      </p:nvGrpSpPr>
+      <p:grpSpPr>
+        <a:xfrm>
+          <a:off x="0" y="0"/>
+          <a:ext cx="0" cy="0"/>
+          <a:chOff x="0" y="0"/>
+          <a:chExt cx="0" cy="0"/>
+        </a:xfrm>
+      </p:grpSpPr>
+      <p:sp>
+        <p:nvSpPr>
+          <p:cNvPr id="2" name="제목 1">
+            <a:extLst>
+              <a:ext uri="{FF2B5EF4-FFF2-40B4-BE49-F238E27FC236}">
+                <a16:creationId xmlns:a16="http://schemas.microsoft.com/office/drawing/2014/main" id="{5B655899-1FCE-484A-B825-64DE3FED2992}"/>
+              </a:ext>
+            </a:extLst>
+          </p:cNvPr>
+          <p:cNvSpPr>
+            <a:spLocks noGrp="1"/>
+          </p:cNvSpPr>
+          <p:nvPr>
+            <p:ph type="title"/>
+          </p:nvPr>
+        </p:nvSpPr>
+        <p:spPr/>
+        <p:txBody>
+          <a:bodyPr/>
+          <a:lstStyle/>
+          <a:p>
+            <a:r>
+              <a:rPr lang="ko-KR" altLang="en-US"/>
+              <a:t>섹션 </a:t>
+            </a:r>
+            <a:r>
+              <a:rPr lang="en-US" altLang="ko-KR"/>
+              <a:t>6 </a:t>
+            </a:r>
+            <a:r>
+              <a:rPr lang="ko-KR" altLang="en-US"/>
+              <a:t>결과</a:t>
+            </a:r>
+          </a:p>
+        </p:txBody>
+      </p:sp>
+      <p:sp>
+        <p:nvSpPr>
+          <p:cNvPr id="3" name="내용 개체 틀 2">
+            <a:extLst>
+              <a:ext uri="{FF2B5EF4-FFF2-40B4-BE49-F238E27FC236}">
+                <a16:creationId xmlns:a16="http://schemas.microsoft.com/office/drawing/2014/main" id="{BD080E5A-2AD0-405E-956C-4CF880B28BB3}"/>
+              </a:ext>
+            </a:extLst>
+          </p:cNvPr>
+          <p:cNvSpPr>
+            <a:spLocks noGrp="1"/>
+          </p:cNvSpPr>
+          <p:nvPr>
+            <p:ph idx="1"/>
+          </p:nvPr>
+        </p:nvSpPr>
+        <p:spPr/>
+        <p:txBody>
+          <a:bodyPr>
+            <a:normAutofit/>
+          </a:bodyPr>
+          <a:lstStyle/>
+          <a:p>
+            <a:r>
+              <a:rPr lang="ko-KR" altLang="en-US"/>
+              <a:t>비밀키 암호화 기능을 구현</a:t>
+            </a:r>
+            <a:endParaRPr lang="en-US" altLang="ko-KR"/>
+          </a:p>
+          <a:p>
+            <a:pPr lvl="1"/>
+            <a:r>
+              <a:rPr lang="en-US" altLang="ko-KR"/>
+              <a:t>3</a:t>
+            </a:r>
+            <a:r>
+              <a:rPr lang="ko-KR" altLang="en-US"/>
+              <a:t>개의 블럭암호화 알고리즘 구현</a:t>
+            </a:r>
+            <a:endParaRPr lang="en-US" altLang="ko-KR"/>
+          </a:p>
+          <a:p>
+            <a:pPr lvl="1"/>
+            <a:r>
+              <a:rPr lang="en-US" altLang="ko-KR"/>
+              <a:t>Aes_CBC_PKCS7, Aria_CBC_PKCS7, Aria_ECB_ZERO</a:t>
+            </a:r>
+          </a:p>
+          <a:p>
+            <a:r>
+              <a:rPr lang="ko-KR" altLang="en-US"/>
+              <a:t>객체지향언어 장점 활용</a:t>
+            </a:r>
+            <a:endParaRPr lang="en-US" altLang="ko-KR"/>
+          </a:p>
+          <a:p>
+            <a:pPr lvl="1"/>
+            <a:r>
+              <a:rPr lang="ko-KR" altLang="en-US">
+                <a:solidFill>
+                  <a:srgbClr val="FF0000"/>
+                </a:solidFill>
+              </a:rPr>
+              <a:t>실행시점에 암호화 알고리즘을 선택하고 사용할 수 있는 기능 완성</a:t>
+            </a:r>
+          </a:p>
+        </p:txBody>
+      </p:sp>
+    </p:spTree>
+    <p:extLst>
+      <p:ext uri="{BB962C8B-B14F-4D97-AF65-F5344CB8AC3E}">
+        <p14:creationId xmlns:p14="http://schemas.microsoft.com/office/powerpoint/2010/main" val="3253036723"/>
+      </p:ext>
+    </p:extLst>
+  </p:cSld>
+  <p:clrMapOvr>
+    <a:masterClrMapping/>
+  </p:clrMapOvr>
+  <mc:AlternateContent xmlns:mc="http://schemas.openxmlformats.org/markup-compatibility/2006" xmlns:p14="http://schemas.microsoft.com/office/powerpoint/2010/main">
+    <mc:Choice Requires="p14">
+      <p:transition spd="med" p14:dur="700">
+        <p:fade/>
+      </p:transition>
+    </mc:Choice>
+    <mc:Fallback xmlns="">
+      <p:transition spd="med">
+        <p:fade/>
+      </p:transition>
+    </mc:Fallback>
+  </mc:AlternateContent>
+</p:sld>
+</file>
+
 <file path=ppt/slides/slide2.xml><?xml version="1.0" encoding="utf-8"?>
 <p:sld xmlns:a="http://schemas.openxmlformats.org/drawingml/2006/main" xmlns:r="http://schemas.openxmlformats.org/officeDocument/2006/relationships" xmlns:p="http://schemas.openxmlformats.org/presentationml/2006/main">
   <p:cSld>
@@ -16136,6 +16283,14 @@
           <a:p>
             <a:pPr lvl="1"/>
             <a:r>
+              <a:rPr lang="ko-KR" altLang="en-US"/>
+              <a:t>대표적인 블럭암호화 알고리즘 사용</a:t>
+            </a:r>
+            <a:endParaRPr lang="en-US" altLang="ko-KR"/>
+          </a:p>
+          <a:p>
+            <a:pPr lvl="2"/>
+            <a:r>
               <a:rPr lang="en-US" altLang="ko-KR"/>
               <a:t>AES, ARIA</a:t>
             </a:r>
@@ -16156,18 +16311,26 @@
             </a:r>
             <a:r>
               <a:rPr lang="en-US" altLang="ko-KR"/>
-              <a:t> </a:t>
+              <a:t>, </a:t>
             </a:r>
             <a:r>
               <a:rPr lang="ko-KR" altLang="en-US"/>
-              <a:t>그리고 추가적인 개념을 이해</a:t>
+              <a:t>캐릭터셋</a:t>
+            </a:r>
+            <a:r>
+              <a:rPr lang="en-US" altLang="ko-KR"/>
+              <a:t>, </a:t>
+            </a:r>
+            <a:r>
+              <a:rPr lang="ko-KR" altLang="en-US"/>
+              <a:t>인코딩 등의 개념 이해</a:t>
             </a:r>
             <a:endParaRPr lang="en-US" altLang="ko-KR"/>
           </a:p>
           <a:p>
             <a:r>
               <a:rPr lang="ko-KR" altLang="en-US"/>
-              <a:t>다양한 알고리즘과 관련 기능을 확장할 수 있음</a:t>
+              <a:t>객체지향언어 장점 활용</a:t>
             </a:r>
             <a:endParaRPr lang="en-US" altLang="ko-KR"/>
           </a:p>
@@ -16188,26 +16351,15 @@
             <a:endParaRPr lang="en-US" altLang="ko-KR"/>
           </a:p>
           <a:p>
-            <a:r>
-              <a:rPr lang="ko-KR" altLang="en-US"/>
-              <a:t>알고 보면 쉬운 암호화 기술</a:t>
-            </a:r>
-            <a:endParaRPr lang="en-US" altLang="ko-KR"/>
-          </a:p>
-          <a:p>
             <a:pPr lvl="1"/>
             <a:r>
-              <a:rPr lang="ko-KR" altLang="en-US"/>
-              <a:t>트러블슈팅 발생시 쉽게 해결</a:t>
-            </a:r>
-            <a:endParaRPr lang="en-US" altLang="ko-KR"/>
-          </a:p>
-          <a:p>
-            <a:endParaRPr lang="en-US" altLang="ko-KR"/>
-          </a:p>
-          <a:p>
-            <a:pPr lvl="1"/>
-            <a:endParaRPr lang="ko-KR" altLang="en-US"/>
+              <a:rPr lang="ko-KR" altLang="en-US">
+                <a:solidFill>
+                  <a:srgbClr val="FF0000"/>
+                </a:solidFill>
+              </a:rPr>
+              <a:t>실행시점에 기능과 데이터가 결정됨</a:t>
+            </a:r>
           </a:p>
         </p:txBody>
       </p:sp>
@@ -16533,10 +16685,18 @@
           <a:p>
             <a:pPr lvl="1"/>
             <a:r>
-              <a:rPr lang="ko-KR" altLang="en-US"/>
+              <a:rPr lang="ko-KR" altLang="en-US">
+                <a:solidFill>
+                  <a:srgbClr val="FF0000"/>
+                </a:solidFill>
+              </a:rPr>
               <a:t>비밀키를 사용하지 않기 때문에 암호화 알고리즘이 아님</a:t>
             </a:r>
-            <a:endParaRPr lang="en-US" altLang="ko-KR"/>
+            <a:endParaRPr lang="en-US" altLang="ko-KR">
+              <a:solidFill>
+                <a:srgbClr val="FF0000"/>
+              </a:solidFill>
+            </a:endParaRPr>
           </a:p>
           <a:p>
             <a:pPr lvl="1"/>
@@ -17181,7 +17341,7 @@
           <p:cNvPr id="2" name="제목 1">
             <a:extLst>
               <a:ext uri="{FF2B5EF4-FFF2-40B4-BE49-F238E27FC236}">
-                <a16:creationId xmlns:a16="http://schemas.microsoft.com/office/drawing/2014/main" id="{BA5D0597-4C5A-4BCD-822E-643F66B48745}"/>
+                <a16:creationId xmlns:a16="http://schemas.microsoft.com/office/drawing/2014/main" id="{3DF8684F-BE9B-4BC6-B19D-DEC746446F42}"/>
               </a:ext>
             </a:extLst>
           </p:cNvPr>
@@ -17194,102 +17354,161 @@
         </p:nvSpPr>
         <p:spPr/>
         <p:txBody>
+          <a:bodyPr/>
+          <a:lstStyle/>
+          <a:p>
+            <a:r>
+              <a:rPr lang="ko-KR" altLang="en-US"/>
+              <a:t>블럭암호화 알고리즘 종류</a:t>
+            </a:r>
+          </a:p>
+        </p:txBody>
+      </p:sp>
+      <p:sp>
+        <p:nvSpPr>
+          <p:cNvPr id="3" name="내용 개체 틀 2">
+            <a:extLst>
+              <a:ext uri="{FF2B5EF4-FFF2-40B4-BE49-F238E27FC236}">
+                <a16:creationId xmlns:a16="http://schemas.microsoft.com/office/drawing/2014/main" id="{E4B2EE74-157C-4746-B33C-9C9EFA8ECC8B}"/>
+              </a:ext>
+            </a:extLst>
+          </p:cNvPr>
+          <p:cNvSpPr>
+            <a:spLocks noGrp="1"/>
+          </p:cNvSpPr>
+          <p:nvPr>
+            <p:ph idx="1"/>
+          </p:nvPr>
+        </p:nvSpPr>
+        <p:spPr/>
+        <p:txBody>
           <a:bodyPr>
             <a:normAutofit/>
           </a:bodyPr>
           <a:lstStyle/>
           <a:p>
             <a:r>
-              <a:rPr lang="ko-KR" altLang="en-US" dirty="0"/>
-              <a:t>우리가 실제 사용하는 암호기술</a:t>
-            </a:r>
+              <a:rPr lang="ko-KR" altLang="en-US"/>
+              <a:t>케르크호프스의 원리</a:t>
+            </a:r>
+            <a:endParaRPr lang="en-US" altLang="ko-KR"/>
+          </a:p>
+          <a:p>
+            <a:pPr lvl="1"/>
+            <a:r>
+              <a:rPr lang="ko-KR" altLang="en-US"/>
+              <a:t>암호화 알고리즘은 공개를 통해 안점함을 증명</a:t>
+            </a:r>
+            <a:endParaRPr lang="en-US" altLang="ko-KR"/>
+          </a:p>
+          <a:p>
+            <a:pPr lvl="1"/>
+            <a:r>
+              <a:rPr lang="ko-KR" altLang="en-US">
+                <a:solidFill>
+                  <a:srgbClr val="FF0000"/>
+                </a:solidFill>
+              </a:rPr>
+              <a:t>수 많은 알고리즘이 만들어짐</a:t>
+            </a:r>
+            <a:endParaRPr lang="en-US" altLang="ko-KR">
+              <a:solidFill>
+                <a:srgbClr val="FF0000"/>
+              </a:solidFill>
+            </a:endParaRPr>
+          </a:p>
+          <a:p>
+            <a:pPr lvl="1"/>
+            <a:r>
+              <a:rPr lang="en-US" altLang="ko-KR"/>
+              <a:t>JCE (Java Cryptography Extension)</a:t>
+            </a:r>
+          </a:p>
+          <a:p>
+            <a:pPr lvl="2"/>
+            <a:r>
+              <a:rPr lang="en-US" altLang="ko-KR"/>
+              <a:t>AES, DES3 </a:t>
+            </a:r>
+            <a:r>
+              <a:rPr lang="ko-KR" altLang="en-US"/>
+              <a:t>등</a:t>
+            </a:r>
+            <a:endParaRPr lang="en-US" altLang="ko-KR"/>
+          </a:p>
+          <a:p>
+            <a:pPr lvl="1"/>
+            <a:r>
+              <a:rPr lang="ko-KR" altLang="en-US"/>
+              <a:t>우리나라</a:t>
+            </a:r>
+            <a:endParaRPr lang="en-US" altLang="ko-KR"/>
+          </a:p>
+          <a:p>
+            <a:pPr lvl="2"/>
+            <a:r>
+              <a:rPr lang="en-US" altLang="ko-KR"/>
+              <a:t>ARIA,</a:t>
+            </a:r>
+            <a:r>
+              <a:rPr lang="ko-KR" altLang="en-US"/>
+              <a:t> </a:t>
+            </a:r>
+            <a:r>
+              <a:rPr lang="en-US" altLang="ko-KR"/>
+              <a:t>SEED,</a:t>
+            </a:r>
+            <a:r>
+              <a:rPr lang="ko-KR" altLang="en-US"/>
+              <a:t> </a:t>
+            </a:r>
+            <a:r>
+              <a:rPr lang="en-US" altLang="ko-KR"/>
+              <a:t>HIGHT </a:t>
+            </a:r>
+            <a:r>
+              <a:rPr lang="ko-KR" altLang="en-US"/>
+              <a:t>등</a:t>
+            </a:r>
+            <a:endParaRPr lang="en-US" altLang="ko-KR"/>
+          </a:p>
+          <a:p>
+            <a:r>
+              <a:rPr lang="ko-KR" altLang="en-US"/>
+              <a:t>블럭암호화 선택 기준</a:t>
+            </a:r>
+            <a:endParaRPr lang="en-US" altLang="ko-KR"/>
+          </a:p>
+          <a:p>
+            <a:pPr lvl="1"/>
+            <a:r>
+              <a:rPr lang="ko-KR" altLang="en-US"/>
+              <a:t>안정성과 비용의 트레이드오프 </a:t>
+            </a:r>
+            <a:r>
+              <a:rPr lang="en-US" altLang="ko-KR"/>
+              <a:t>(</a:t>
+            </a:r>
+            <a:r>
+              <a:rPr lang="ko-KR" altLang="en-US"/>
+              <a:t>고성능서버 </a:t>
+            </a:r>
+            <a:r>
+              <a:rPr lang="en-US" altLang="ko-KR"/>
+              <a:t>vs IOT)</a:t>
+            </a:r>
+            <a:endParaRPr lang="en-US" altLang="ko-KR">
+              <a:solidFill>
+                <a:srgbClr val="FF0000"/>
+              </a:solidFill>
+            </a:endParaRPr>
           </a:p>
         </p:txBody>
       </p:sp>
-      <p:pic>
-        <p:nvPicPr>
-          <p:cNvPr id="5" name="Picture 4">
-            <a:hlinkClick r:id="rId2"/>
-            <a:extLst>
-              <a:ext uri="{FF2B5EF4-FFF2-40B4-BE49-F238E27FC236}">
-                <a16:creationId xmlns:a16="http://schemas.microsoft.com/office/drawing/2014/main" id="{6AFC6935-3962-46B2-95EE-8D591700160A}"/>
-              </a:ext>
-            </a:extLst>
-          </p:cNvPr>
-          <p:cNvPicPr>
-            <a:picLocks noGrp="1" noChangeAspect="1" noChangeArrowheads="1"/>
-          </p:cNvPicPr>
-          <p:nvPr>
-            <p:ph idx="1"/>
-          </p:nvPr>
-        </p:nvPicPr>
-        <p:blipFill>
-          <a:blip r:embed="rId3">
-            <a:extLst>
-              <a:ext uri="{28A0092B-C50C-407E-A947-70E740481C1C}">
-                <a14:useLocalDpi xmlns:a14="http://schemas.microsoft.com/office/drawing/2010/main" val="0"/>
-              </a:ext>
-            </a:extLst>
-          </a:blip>
-          <a:srcRect/>
-          <a:stretch>
-            <a:fillRect/>
-          </a:stretch>
-        </p:blipFill>
-        <p:spPr bwMode="auto">
-          <a:xfrm>
-            <a:off x="1295400" y="2000934"/>
-            <a:ext cx="5090539" cy="3810000"/>
-          </a:xfrm>
-          <a:prstGeom prst="rect">
-            <a:avLst/>
-          </a:prstGeom>
-          <a:noFill/>
-          <a:extLst>
-            <a:ext uri="{909E8E84-426E-40DD-AFC4-6F175D3DCCD1}">
-              <a14:hiddenFill xmlns:a14="http://schemas.microsoft.com/office/drawing/2010/main">
-                <a:solidFill>
-                  <a:srgbClr val="FFFFFF"/>
-                </a:solidFill>
-              </a14:hiddenFill>
-            </a:ext>
-          </a:extLst>
-        </p:spPr>
-      </p:pic>
-      <p:pic>
-        <p:nvPicPr>
-          <p:cNvPr id="7" name="그림 6">
-            <a:extLst>
-              <a:ext uri="{FF2B5EF4-FFF2-40B4-BE49-F238E27FC236}">
-                <a16:creationId xmlns:a16="http://schemas.microsoft.com/office/drawing/2014/main" id="{E4AB9F23-FB78-42C5-8F94-F30AA9D70662}"/>
-              </a:ext>
-            </a:extLst>
-          </p:cNvPr>
-          <p:cNvPicPr>
-            <a:picLocks noChangeAspect="1"/>
-          </p:cNvPicPr>
-          <p:nvPr/>
-        </p:nvPicPr>
-        <p:blipFill>
-          <a:blip r:embed="rId4"/>
-          <a:stretch>
-            <a:fillRect/>
-          </a:stretch>
-        </p:blipFill>
-        <p:spPr>
-          <a:xfrm>
-            <a:off x="6790334" y="2000934"/>
-            <a:ext cx="3846967" cy="1227656"/>
-          </a:xfrm>
-          <a:prstGeom prst="rect">
-            <a:avLst/>
-          </a:prstGeom>
-        </p:spPr>
-      </p:pic>
     </p:spTree>
     <p:extLst>
       <p:ext uri="{BB962C8B-B14F-4D97-AF65-F5344CB8AC3E}">
-        <p14:creationId xmlns:p14="http://schemas.microsoft.com/office/powerpoint/2010/main" val="1147135051"/>
+        <p14:creationId xmlns:p14="http://schemas.microsoft.com/office/powerpoint/2010/main" val="189710169"/>
       </p:ext>
     </p:extLst>
   </p:cSld>
@@ -17333,7 +17552,7 @@
           <p:cNvPr id="2" name="제목 1">
             <a:extLst>
               <a:ext uri="{FF2B5EF4-FFF2-40B4-BE49-F238E27FC236}">
-                <a16:creationId xmlns:a16="http://schemas.microsoft.com/office/drawing/2014/main" id="{90BA8462-1B36-456B-83CC-119A53EB95E8}"/>
+                <a16:creationId xmlns:a16="http://schemas.microsoft.com/office/drawing/2014/main" id="{650BE042-BF9E-4A39-A1F2-1D47AB235434}"/>
               </a:ext>
             </a:extLst>
           </p:cNvPr>
@@ -17351,7 +17570,7 @@
           <a:p>
             <a:r>
               <a:rPr lang="ko-KR" altLang="en-US"/>
-              <a:t>우리가 실제 사용하는 암호기술</a:t>
+              <a:t>우리가 사용할 블럭암호기술</a:t>
             </a:r>
           </a:p>
         </p:txBody>
@@ -17361,7 +17580,7 @@
           <p:cNvPr id="3" name="내용 개체 틀 2">
             <a:extLst>
               <a:ext uri="{FF2B5EF4-FFF2-40B4-BE49-F238E27FC236}">
-                <a16:creationId xmlns:a16="http://schemas.microsoft.com/office/drawing/2014/main" id="{F8C0A918-B9E2-4E47-8B00-AACE48ABE875}"/>
+                <a16:creationId xmlns:a16="http://schemas.microsoft.com/office/drawing/2014/main" id="{841C357C-F992-42F9-8075-8A19A4E2D7E2}"/>
               </a:ext>
             </a:extLst>
           </p:cNvPr>
@@ -17374,14 +17593,23 @@
         </p:nvSpPr>
         <p:spPr/>
         <p:txBody>
-          <a:bodyPr>
-            <a:normAutofit/>
-          </a:bodyPr>
+          <a:bodyPr/>
           <a:lstStyle/>
           <a:p>
             <a:r>
+              <a:rPr lang="en-US" altLang="ko-KR"/>
+              <a:t>AES (Advanced Encryption Standard)</a:t>
+            </a:r>
+          </a:p>
+          <a:p>
+            <a:pPr lvl="1"/>
+            <a:r>
+              <a:rPr lang="en-US" altLang="ko-KR"/>
+              <a:t>JCE (Java Cryptography Extension) </a:t>
+            </a:r>
+            <a:r>
               <a:rPr lang="ko-KR" altLang="en-US"/>
-              <a:t>암호화 알고리즘</a:t>
+              <a:t>제공</a:t>
             </a:r>
             <a:endParaRPr lang="en-US" altLang="ko-KR"/>
           </a:p>
@@ -17389,157 +17617,49 @@
             <a:pPr lvl="1"/>
             <a:r>
               <a:rPr lang="en-US" altLang="ko-KR"/>
-              <a:t>AES, DES3</a:t>
-            </a:r>
-          </a:p>
-          <a:p>
-            <a:pPr lvl="2"/>
-            <a:r>
-              <a:rPr lang="en-US" altLang="ko-KR"/>
-              <a:t>JCE (Java Cryptography Extension)</a:t>
+              <a:t>Cipher.getInstance("AES/CBC/PKCS5Padding")</a:t>
             </a:r>
           </a:p>
           <a:p>
             <a:pPr lvl="1"/>
-            <a:r>
-              <a:rPr lang="en-US" altLang="ko-KR"/>
-              <a:t>ARIA, SEED</a:t>
-            </a:r>
-          </a:p>
-          <a:p>
-            <a:pPr lvl="2"/>
-            <a:r>
-              <a:rPr lang="en-US" altLang="ko-KR"/>
-              <a:t>128bit </a:t>
-            </a:r>
-            <a:r>
-              <a:rPr lang="ko-KR" altLang="en-US"/>
-              <a:t>비밀키 암호화</a:t>
-            </a:r>
-            <a:endParaRPr lang="en-US" altLang="ko-KR"/>
-          </a:p>
-          <a:p>
-            <a:r>
-              <a:rPr lang="ko-KR" altLang="en-US"/>
-              <a:t>운영모드</a:t>
-            </a:r>
-            <a:endParaRPr lang="en-US" altLang="ko-KR"/>
-          </a:p>
-          <a:p>
-            <a:pPr lvl="1"/>
-            <a:r>
-              <a:rPr lang="en-US" altLang="ko-KR"/>
-              <a:t>ECB</a:t>
-            </a:r>
-          </a:p>
-          <a:p>
-            <a:pPr lvl="2"/>
-            <a:r>
-              <a:rPr lang="ko-KR" altLang="en-US"/>
-              <a:t>고정길이 데이터 </a:t>
-            </a:r>
-            <a:r>
-              <a:rPr lang="en-US" altLang="ko-KR"/>
-              <a:t>(</a:t>
-            </a:r>
-            <a:r>
-              <a:rPr lang="ko-KR" altLang="en-US"/>
-              <a:t>카드번호</a:t>
-            </a:r>
-            <a:r>
-              <a:rPr lang="en-US" altLang="ko-KR"/>
-              <a:t>, </a:t>
-            </a:r>
-            <a:r>
-              <a:rPr lang="ko-KR" altLang="en-US"/>
-              <a:t>환경변수 암호화</a:t>
-            </a:r>
-            <a:r>
-              <a:rPr lang="en-US" altLang="ko-KR"/>
-              <a:t>)</a:t>
-            </a:r>
-          </a:p>
-          <a:p>
-            <a:pPr lvl="1"/>
-            <a:r>
-              <a:rPr lang="en-US" altLang="ko-KR"/>
-              <a:t>CBC</a:t>
-            </a:r>
-          </a:p>
-          <a:p>
-            <a:pPr lvl="2"/>
-            <a:r>
-              <a:rPr lang="ko-KR" altLang="en-US"/>
-              <a:t>가변길이 데이터 </a:t>
-            </a:r>
-            <a:r>
-              <a:rPr lang="en-US" altLang="ko-KR"/>
-              <a:t>(DB, </a:t>
-            </a:r>
-            <a:r>
-              <a:rPr lang="ko-KR" altLang="en-US"/>
-              <a:t>파일암호화</a:t>
-            </a:r>
-            <a:r>
-              <a:rPr lang="en-US" altLang="ko-KR"/>
-              <a:t>)</a:t>
-            </a:r>
             <a:endParaRPr lang="ko-KR" altLang="en-US"/>
           </a:p>
         </p:txBody>
       </p:sp>
       <p:pic>
         <p:nvPicPr>
-          <p:cNvPr id="4" name="Picture 4">
-            <a:hlinkClick r:id="rId2"/>
+          <p:cNvPr id="4" name="그림 3">
             <a:extLst>
               <a:ext uri="{FF2B5EF4-FFF2-40B4-BE49-F238E27FC236}">
-                <a16:creationId xmlns:a16="http://schemas.microsoft.com/office/drawing/2014/main" id="{712F6237-6EB9-4A5B-8DE3-3F4BBDE2C86F}"/>
+                <a16:creationId xmlns:a16="http://schemas.microsoft.com/office/drawing/2014/main" id="{AF8AF6DF-C861-43BF-B556-D7DE725E2403}"/>
               </a:ext>
             </a:extLst>
           </p:cNvPr>
           <p:cNvPicPr>
-            <a:picLocks noChangeAspect="1" noChangeArrowheads="1"/>
+            <a:picLocks noChangeAspect="1"/>
           </p:cNvPicPr>
           <p:nvPr/>
         </p:nvPicPr>
         <p:blipFill>
-          <a:blip r:embed="rId3">
-            <a:extLst>
-              <a:ext uri="{28A0092B-C50C-407E-A947-70E740481C1C}">
-                <a14:useLocalDpi xmlns:a14="http://schemas.microsoft.com/office/drawing/2010/main" val="0"/>
-              </a:ext>
-            </a:extLst>
-          </a:blip>
-          <a:srcRect/>
+          <a:blip r:embed="rId2"/>
           <a:stretch>
             <a:fillRect/>
           </a:stretch>
         </p:blipFill>
-        <p:spPr bwMode="auto">
+        <p:spPr>
           <a:xfrm>
-            <a:off x="7566750" y="692332"/>
-            <a:ext cx="4285615" cy="3207558"/>
+            <a:off x="1551101" y="3886200"/>
+            <a:ext cx="4600742" cy="1468203"/>
           </a:xfrm>
           <a:prstGeom prst="rect">
             <a:avLst/>
           </a:prstGeom>
-          <a:noFill/>
-          <a:extLst>
-            <a:ext uri="{909E8E84-426E-40DD-AFC4-6F175D3DCCD1}">
-              <a14:hiddenFill xmlns:a14="http://schemas.microsoft.com/office/drawing/2010/main">
-                <a:solidFill>
-                  <a:srgbClr val="FFFFFF"/>
-                </a:solidFill>
-              </a14:hiddenFill>
-            </a:ext>
-          </a:extLst>
         </p:spPr>
       </p:pic>
     </p:spTree>
     <p:extLst>
       <p:ext uri="{BB962C8B-B14F-4D97-AF65-F5344CB8AC3E}">
-        <p14:creationId xmlns:p14="http://schemas.microsoft.com/office/powerpoint/2010/main" val="975536873"/>
+        <p14:creationId xmlns:p14="http://schemas.microsoft.com/office/powerpoint/2010/main" val="1157681426"/>
       </p:ext>
     </p:extLst>
   </p:cSld>
@@ -17583,7 +17703,7 @@
           <p:cNvPr id="2" name="제목 1">
             <a:extLst>
               <a:ext uri="{FF2B5EF4-FFF2-40B4-BE49-F238E27FC236}">
-                <a16:creationId xmlns:a16="http://schemas.microsoft.com/office/drawing/2014/main" id="{BA5D0597-4C5A-4BCD-822E-643F66B48745}"/>
+                <a16:creationId xmlns:a16="http://schemas.microsoft.com/office/drawing/2014/main" id="{72393E0E-9849-4892-A17C-097B11D09155}"/>
               </a:ext>
             </a:extLst>
           </p:cNvPr>
@@ -17600,511 +17720,116 @@
           <a:lstStyle/>
           <a:p>
             <a:r>
-              <a:rPr lang="ko-KR" altLang="en-US" dirty="0"/>
-              <a:t>한 줄 문장이 암호화 되는 과정</a:t>
+              <a:rPr lang="ko-KR" altLang="en-US"/>
+              <a:t>우리가 사용할 블럭암호기술</a:t>
             </a:r>
           </a:p>
         </p:txBody>
       </p:sp>
       <p:sp>
         <p:nvSpPr>
-          <p:cNvPr id="4" name="직사각형 3">
+          <p:cNvPr id="3" name="내용 개체 틀 2">
             <a:extLst>
               <a:ext uri="{FF2B5EF4-FFF2-40B4-BE49-F238E27FC236}">
-                <a16:creationId xmlns:a16="http://schemas.microsoft.com/office/drawing/2014/main" id="{DD7046CB-6222-447A-B129-CDF4DA9AAEBC}"/>
+                <a16:creationId xmlns:a16="http://schemas.microsoft.com/office/drawing/2014/main" id="{E040F2A3-9A43-4008-ABEE-99F514EE3192}"/>
               </a:ext>
             </a:extLst>
           </p:cNvPr>
-          <p:cNvSpPr/>
+          <p:cNvSpPr>
+            <a:spLocks noGrp="1"/>
+          </p:cNvSpPr>
+          <p:nvPr>
+            <p:ph idx="1"/>
+          </p:nvPr>
+        </p:nvSpPr>
+        <p:spPr/>
+        <p:txBody>
+          <a:bodyPr/>
+          <a:lstStyle/>
+          <a:p>
+            <a:r>
+              <a:rPr lang="en-US" altLang="ko-KR"/>
+              <a:t>ARIA</a:t>
+            </a:r>
+          </a:p>
+          <a:p>
+            <a:pPr lvl="1"/>
+            <a:r>
+              <a:rPr lang="en-US" altLang="ko-KR"/>
+              <a:t>SPN</a:t>
+            </a:r>
+          </a:p>
+          <a:p>
+            <a:pPr lvl="1"/>
+            <a:r>
+              <a:rPr lang="en-US" altLang="ko-KR"/>
+              <a:t>128bit </a:t>
+            </a:r>
+            <a:r>
+              <a:rPr lang="ko-KR" altLang="en-US"/>
+              <a:t>키</a:t>
+            </a:r>
+            <a:endParaRPr lang="en-US" altLang="ko-KR"/>
+          </a:p>
+          <a:p>
+            <a:pPr lvl="1"/>
+            <a:r>
+              <a:rPr lang="en-US" altLang="ko-KR">
+                <a:solidFill>
+                  <a:srgbClr val="FF0000"/>
+                </a:solidFill>
+              </a:rPr>
+              <a:t>JCE </a:t>
+            </a:r>
+            <a:r>
+              <a:rPr lang="ko-KR" altLang="en-US">
+                <a:solidFill>
+                  <a:srgbClr val="FF0000"/>
+                </a:solidFill>
+              </a:rPr>
+              <a:t>제공하지 않음</a:t>
+            </a:r>
+            <a:endParaRPr lang="en-US" altLang="ko-KR">
+              <a:solidFill>
+                <a:srgbClr val="FF0000"/>
+              </a:solidFill>
+            </a:endParaRPr>
+          </a:p>
+        </p:txBody>
+      </p:sp>
+      <p:pic>
+        <p:nvPicPr>
+          <p:cNvPr id="7" name="그림 6">
+            <a:extLst>
+              <a:ext uri="{FF2B5EF4-FFF2-40B4-BE49-F238E27FC236}">
+                <a16:creationId xmlns:a16="http://schemas.microsoft.com/office/drawing/2014/main" id="{D74741D2-EE4D-47BD-A8A7-44D4D2B11412}"/>
+              </a:ext>
+            </a:extLst>
+          </p:cNvPr>
+          <p:cNvPicPr>
+            <a:picLocks noChangeAspect="1"/>
+          </p:cNvPicPr>
           <p:nvPr/>
-        </p:nvSpPr>
+        </p:nvPicPr>
+        <p:blipFill rotWithShape="1">
+          <a:blip r:embed="rId2"/>
+          <a:srcRect t="39434"/>
+          <a:stretch/>
+        </p:blipFill>
         <p:spPr>
           <a:xfrm>
-            <a:off x="1460408" y="3012918"/>
-            <a:ext cx="1480144" cy="374970"/>
+            <a:off x="4519748" y="1981201"/>
+            <a:ext cx="7324775" cy="1142385"/>
           </a:xfrm>
           <a:prstGeom prst="rect">
             <a:avLst/>
           </a:prstGeom>
         </p:spPr>
-        <p:style>
-          <a:lnRef idx="2">
-            <a:schemeClr val="accent1">
-              <a:shade val="50000"/>
-            </a:schemeClr>
-          </a:lnRef>
-          <a:fillRef idx="1">
-            <a:schemeClr val="accent1"/>
-          </a:fillRef>
-          <a:effectRef idx="0">
-            <a:schemeClr val="accent1"/>
-          </a:effectRef>
-          <a:fontRef idx="minor">
-            <a:schemeClr val="lt1"/>
-          </a:fontRef>
-        </p:style>
-        <p:txBody>
-          <a:bodyPr rtlCol="0" anchor="ctr"/>
-          <a:lstStyle/>
-          <a:p>
-            <a:pPr algn="ctr"/>
-            <a:r>
-              <a:rPr lang="en-US" altLang="ko-KR" dirty="0"/>
-              <a:t>128bit</a:t>
-            </a:r>
-            <a:endParaRPr lang="ko-KR" altLang="en-US" dirty="0"/>
-          </a:p>
-        </p:txBody>
-      </p:sp>
-      <p:sp>
-        <p:nvSpPr>
-          <p:cNvPr id="5" name="직사각형 4">
-            <a:extLst>
-              <a:ext uri="{FF2B5EF4-FFF2-40B4-BE49-F238E27FC236}">
-                <a16:creationId xmlns:a16="http://schemas.microsoft.com/office/drawing/2014/main" id="{F5940D91-3AAF-41F8-AAED-EB0F239E7501}"/>
-              </a:ext>
-            </a:extLst>
-          </p:cNvPr>
-          <p:cNvSpPr/>
-          <p:nvPr/>
-        </p:nvSpPr>
-        <p:spPr>
-          <a:xfrm>
-            <a:off x="3410908" y="3012918"/>
-            <a:ext cx="1480144" cy="374970"/>
-          </a:xfrm>
-          <a:prstGeom prst="rect">
-            <a:avLst/>
-          </a:prstGeom>
-        </p:spPr>
-        <p:style>
-          <a:lnRef idx="2">
-            <a:schemeClr val="accent1">
-              <a:shade val="50000"/>
-            </a:schemeClr>
-          </a:lnRef>
-          <a:fillRef idx="1">
-            <a:schemeClr val="accent1"/>
-          </a:fillRef>
-          <a:effectRef idx="0">
-            <a:schemeClr val="accent1"/>
-          </a:effectRef>
-          <a:fontRef idx="minor">
-            <a:schemeClr val="lt1"/>
-          </a:fontRef>
-        </p:style>
-        <p:txBody>
-          <a:bodyPr rtlCol="0" anchor="ctr"/>
-          <a:lstStyle/>
-          <a:p>
-            <a:pPr algn="ctr"/>
-            <a:r>
-              <a:rPr lang="en-US" altLang="ko-KR" dirty="0"/>
-              <a:t>128bit</a:t>
-            </a:r>
-            <a:endParaRPr lang="ko-KR" altLang="en-US" dirty="0"/>
-          </a:p>
-        </p:txBody>
-      </p:sp>
-      <p:sp>
-        <p:nvSpPr>
-          <p:cNvPr id="7" name="직사각형 6">
-            <a:extLst>
-              <a:ext uri="{FF2B5EF4-FFF2-40B4-BE49-F238E27FC236}">
-                <a16:creationId xmlns:a16="http://schemas.microsoft.com/office/drawing/2014/main" id="{5A636360-F5E1-4119-AC07-D4FB01F51940}"/>
-              </a:ext>
-            </a:extLst>
-          </p:cNvPr>
-          <p:cNvSpPr/>
-          <p:nvPr/>
-        </p:nvSpPr>
-        <p:spPr>
-          <a:xfrm>
-            <a:off x="5423904" y="3012918"/>
-            <a:ext cx="1480144" cy="374970"/>
-          </a:xfrm>
-          <a:prstGeom prst="rect">
-            <a:avLst/>
-          </a:prstGeom>
-        </p:spPr>
-        <p:style>
-          <a:lnRef idx="2">
-            <a:schemeClr val="accent1">
-              <a:shade val="50000"/>
-            </a:schemeClr>
-          </a:lnRef>
-          <a:fillRef idx="1">
-            <a:schemeClr val="accent1"/>
-          </a:fillRef>
-          <a:effectRef idx="0">
-            <a:schemeClr val="accent1"/>
-          </a:effectRef>
-          <a:fontRef idx="minor">
-            <a:schemeClr val="lt1"/>
-          </a:fontRef>
-        </p:style>
-        <p:txBody>
-          <a:bodyPr rtlCol="0" anchor="ctr"/>
-          <a:lstStyle/>
-          <a:p>
-            <a:pPr algn="ctr"/>
-            <a:r>
-              <a:rPr lang="en-US" altLang="ko-KR"/>
-              <a:t>128bit</a:t>
-            </a:r>
-            <a:endParaRPr lang="ko-KR" altLang="en-US" dirty="0"/>
-          </a:p>
-        </p:txBody>
-      </p:sp>
-      <p:sp>
-        <p:nvSpPr>
-          <p:cNvPr id="8" name="직사각형 7">
-            <a:extLst>
-              <a:ext uri="{FF2B5EF4-FFF2-40B4-BE49-F238E27FC236}">
-                <a16:creationId xmlns:a16="http://schemas.microsoft.com/office/drawing/2014/main" id="{578C472E-2B8E-4507-9D87-A4858139DBD0}"/>
-              </a:ext>
-            </a:extLst>
-          </p:cNvPr>
-          <p:cNvSpPr/>
-          <p:nvPr/>
-        </p:nvSpPr>
-        <p:spPr>
-          <a:xfrm>
-            <a:off x="6181519" y="3012918"/>
-            <a:ext cx="722529" cy="374970"/>
-          </a:xfrm>
-          <a:prstGeom prst="rect">
-            <a:avLst/>
-          </a:prstGeom>
-        </p:spPr>
-        <p:style>
-          <a:lnRef idx="2">
-            <a:schemeClr val="accent4">
-              <a:shade val="50000"/>
-            </a:schemeClr>
-          </a:lnRef>
-          <a:fillRef idx="1">
-            <a:schemeClr val="accent4"/>
-          </a:fillRef>
-          <a:effectRef idx="0">
-            <a:schemeClr val="accent4"/>
-          </a:effectRef>
-          <a:fontRef idx="minor">
-            <a:schemeClr val="lt1"/>
-          </a:fontRef>
-        </p:style>
-        <p:txBody>
-          <a:bodyPr rtlCol="0" anchor="ctr"/>
-          <a:lstStyle/>
-          <a:p>
-            <a:pPr algn="ctr"/>
-            <a:r>
-              <a:rPr lang="ko-KR" altLang="en-US" dirty="0"/>
-              <a:t>패딩</a:t>
-            </a:r>
-          </a:p>
-        </p:txBody>
-      </p:sp>
-      <p:sp>
-        <p:nvSpPr>
-          <p:cNvPr id="10" name="직사각형 9">
-            <a:extLst>
-              <a:ext uri="{FF2B5EF4-FFF2-40B4-BE49-F238E27FC236}">
-                <a16:creationId xmlns:a16="http://schemas.microsoft.com/office/drawing/2014/main" id="{9C78A72A-052A-44FB-8832-AB519A89D0C8}"/>
-              </a:ext>
-            </a:extLst>
-          </p:cNvPr>
-          <p:cNvSpPr/>
-          <p:nvPr/>
-        </p:nvSpPr>
-        <p:spPr>
-          <a:xfrm>
-            <a:off x="1460407" y="1994358"/>
-            <a:ext cx="4703569" cy="374970"/>
-          </a:xfrm>
-          <a:prstGeom prst="rect">
-            <a:avLst/>
-          </a:prstGeom>
-        </p:spPr>
-        <p:style>
-          <a:lnRef idx="2">
-            <a:schemeClr val="accent1">
-              <a:shade val="50000"/>
-            </a:schemeClr>
-          </a:lnRef>
-          <a:fillRef idx="1">
-            <a:schemeClr val="accent1"/>
-          </a:fillRef>
-          <a:effectRef idx="0">
-            <a:schemeClr val="accent1"/>
-          </a:effectRef>
-          <a:fontRef idx="minor">
-            <a:schemeClr val="lt1"/>
-          </a:fontRef>
-        </p:style>
-        <p:txBody>
-          <a:bodyPr rtlCol="0" anchor="ctr"/>
-          <a:lstStyle/>
-          <a:p>
-            <a:pPr algn="ctr"/>
-            <a:r>
-              <a:rPr lang="ko-KR" altLang="en-US" dirty="0"/>
-              <a:t>한 줄 문장</a:t>
-            </a:r>
-          </a:p>
-        </p:txBody>
-      </p:sp>
-      <p:sp>
-        <p:nvSpPr>
-          <p:cNvPr id="16" name="직사각형 15">
-            <a:extLst>
-              <a:ext uri="{FF2B5EF4-FFF2-40B4-BE49-F238E27FC236}">
-                <a16:creationId xmlns:a16="http://schemas.microsoft.com/office/drawing/2014/main" id="{93DAC4C3-966E-4F36-B913-DFA68986B529}"/>
-              </a:ext>
-            </a:extLst>
-          </p:cNvPr>
-          <p:cNvSpPr/>
-          <p:nvPr/>
-        </p:nvSpPr>
-        <p:spPr>
-          <a:xfrm>
-            <a:off x="1460407" y="4015030"/>
-            <a:ext cx="1480144" cy="374970"/>
-          </a:xfrm>
-          <a:prstGeom prst="rect">
-            <a:avLst/>
-          </a:prstGeom>
-        </p:spPr>
-        <p:style>
-          <a:lnRef idx="2">
-            <a:schemeClr val="accent1">
-              <a:shade val="50000"/>
-            </a:schemeClr>
-          </a:lnRef>
-          <a:fillRef idx="1">
-            <a:schemeClr val="accent1"/>
-          </a:fillRef>
-          <a:effectRef idx="0">
-            <a:schemeClr val="accent1"/>
-          </a:effectRef>
-          <a:fontRef idx="minor">
-            <a:schemeClr val="lt1"/>
-          </a:fontRef>
-        </p:style>
-        <p:txBody>
-          <a:bodyPr rtlCol="0" anchor="ctr"/>
-          <a:lstStyle/>
-          <a:p>
-            <a:pPr algn="ctr"/>
-            <a:r>
-              <a:rPr lang="en-US" altLang="ko-KR" dirty="0"/>
-              <a:t>128bit</a:t>
-            </a:r>
-            <a:endParaRPr lang="ko-KR" altLang="en-US" dirty="0"/>
-          </a:p>
-        </p:txBody>
-      </p:sp>
-      <p:sp>
-        <p:nvSpPr>
-          <p:cNvPr id="17" name="직사각형 16">
-            <a:extLst>
-              <a:ext uri="{FF2B5EF4-FFF2-40B4-BE49-F238E27FC236}">
-                <a16:creationId xmlns:a16="http://schemas.microsoft.com/office/drawing/2014/main" id="{1954F1D3-C1DB-42DA-9593-A54CCC39E678}"/>
-              </a:ext>
-            </a:extLst>
-          </p:cNvPr>
-          <p:cNvSpPr/>
-          <p:nvPr/>
-        </p:nvSpPr>
-        <p:spPr>
-          <a:xfrm>
-            <a:off x="3410908" y="4015030"/>
-            <a:ext cx="1480144" cy="374970"/>
-          </a:xfrm>
-          <a:prstGeom prst="rect">
-            <a:avLst/>
-          </a:prstGeom>
-        </p:spPr>
-        <p:style>
-          <a:lnRef idx="2">
-            <a:schemeClr val="accent1">
-              <a:shade val="50000"/>
-            </a:schemeClr>
-          </a:lnRef>
-          <a:fillRef idx="1">
-            <a:schemeClr val="accent1"/>
-          </a:fillRef>
-          <a:effectRef idx="0">
-            <a:schemeClr val="accent1"/>
-          </a:effectRef>
-          <a:fontRef idx="minor">
-            <a:schemeClr val="lt1"/>
-          </a:fontRef>
-        </p:style>
-        <p:txBody>
-          <a:bodyPr rtlCol="0" anchor="ctr"/>
-          <a:lstStyle/>
-          <a:p>
-            <a:pPr algn="ctr"/>
-            <a:r>
-              <a:rPr lang="en-US" altLang="ko-KR" dirty="0"/>
-              <a:t>128bit</a:t>
-            </a:r>
-            <a:endParaRPr lang="ko-KR" altLang="en-US" dirty="0"/>
-          </a:p>
-        </p:txBody>
-      </p:sp>
-      <p:sp>
-        <p:nvSpPr>
-          <p:cNvPr id="19" name="직사각형 18">
-            <a:extLst>
-              <a:ext uri="{FF2B5EF4-FFF2-40B4-BE49-F238E27FC236}">
-                <a16:creationId xmlns:a16="http://schemas.microsoft.com/office/drawing/2014/main" id="{4EF56E53-A4A0-4D69-B504-079D6A93A641}"/>
-              </a:ext>
-            </a:extLst>
-          </p:cNvPr>
-          <p:cNvSpPr/>
-          <p:nvPr/>
-        </p:nvSpPr>
-        <p:spPr>
-          <a:xfrm>
-            <a:off x="5423904" y="4015030"/>
-            <a:ext cx="1480144" cy="374970"/>
-          </a:xfrm>
-          <a:prstGeom prst="rect">
-            <a:avLst/>
-          </a:prstGeom>
-        </p:spPr>
-        <p:style>
-          <a:lnRef idx="2">
-            <a:schemeClr val="accent1">
-              <a:shade val="50000"/>
-            </a:schemeClr>
-          </a:lnRef>
-          <a:fillRef idx="1">
-            <a:schemeClr val="accent1"/>
-          </a:fillRef>
-          <a:effectRef idx="0">
-            <a:schemeClr val="accent1"/>
-          </a:effectRef>
-          <a:fontRef idx="minor">
-            <a:schemeClr val="lt1"/>
-          </a:fontRef>
-        </p:style>
-        <p:txBody>
-          <a:bodyPr rtlCol="0" anchor="ctr"/>
-          <a:lstStyle/>
-          <a:p>
-            <a:pPr algn="ctr"/>
-            <a:r>
-              <a:rPr lang="en-US" altLang="ko-KR" dirty="0"/>
-              <a:t>128bit</a:t>
-            </a:r>
-            <a:endParaRPr lang="ko-KR" altLang="en-US" dirty="0"/>
-          </a:p>
-        </p:txBody>
-      </p:sp>
-      <p:sp>
-        <p:nvSpPr>
-          <p:cNvPr id="20" name="직사각형 19">
-            <a:extLst>
-              <a:ext uri="{FF2B5EF4-FFF2-40B4-BE49-F238E27FC236}">
-                <a16:creationId xmlns:a16="http://schemas.microsoft.com/office/drawing/2014/main" id="{03A022D2-47F8-4CFE-BCFE-015783D22438}"/>
-              </a:ext>
-            </a:extLst>
-          </p:cNvPr>
-          <p:cNvSpPr/>
-          <p:nvPr/>
-        </p:nvSpPr>
-        <p:spPr>
-          <a:xfrm>
-            <a:off x="1460407" y="5033590"/>
-            <a:ext cx="6102579" cy="374970"/>
-          </a:xfrm>
-          <a:prstGeom prst="rect">
-            <a:avLst/>
-          </a:prstGeom>
-        </p:spPr>
-        <p:style>
-          <a:lnRef idx="2">
-            <a:schemeClr val="accent1">
-              <a:shade val="50000"/>
-            </a:schemeClr>
-          </a:lnRef>
-          <a:fillRef idx="1">
-            <a:schemeClr val="accent1"/>
-          </a:fillRef>
-          <a:effectRef idx="0">
-            <a:schemeClr val="accent1"/>
-          </a:effectRef>
-          <a:fontRef idx="minor">
-            <a:schemeClr val="lt1"/>
-          </a:fontRef>
-        </p:style>
-        <p:txBody>
-          <a:bodyPr rtlCol="0" anchor="ctr"/>
-          <a:lstStyle/>
-          <a:p>
-            <a:pPr algn="ctr"/>
-            <a:r>
-              <a:rPr lang="ko-KR" altLang="en-US" dirty="0"/>
-              <a:t>암호문</a:t>
-            </a:r>
-          </a:p>
-        </p:txBody>
-      </p:sp>
-      <p:pic>
-        <p:nvPicPr>
-          <p:cNvPr id="1028" name="Picture 4">
-            <a:hlinkClick r:id="rId2"/>
-            <a:extLst>
-              <a:ext uri="{FF2B5EF4-FFF2-40B4-BE49-F238E27FC236}">
-                <a16:creationId xmlns:a16="http://schemas.microsoft.com/office/drawing/2014/main" id="{B29D66F2-04A7-4A48-BBA4-70899F49F67B}"/>
-              </a:ext>
-            </a:extLst>
-          </p:cNvPr>
-          <p:cNvPicPr>
-            <a:picLocks noChangeAspect="1" noChangeArrowheads="1"/>
-          </p:cNvPicPr>
-          <p:nvPr/>
-        </p:nvPicPr>
-        <p:blipFill>
-          <a:blip r:embed="rId3">
-            <a:extLst>
-              <a:ext uri="{28A0092B-C50C-407E-A947-70E740481C1C}">
-                <a14:useLocalDpi xmlns:a14="http://schemas.microsoft.com/office/drawing/2010/main" val="0"/>
-              </a:ext>
-            </a:extLst>
-          </a:blip>
-          <a:srcRect/>
-          <a:stretch>
-            <a:fillRect/>
-          </a:stretch>
-        </p:blipFill>
-        <p:spPr bwMode="auto">
-          <a:xfrm>
-            <a:off x="7562986" y="1451922"/>
-            <a:ext cx="4171328" cy="3121992"/>
-          </a:xfrm>
-          <a:prstGeom prst="rect">
-            <a:avLst/>
-          </a:prstGeom>
-          <a:noFill/>
-          <a:extLst>
-            <a:ext uri="{909E8E84-426E-40DD-AFC4-6F175D3DCCD1}">
-              <a14:hiddenFill xmlns:a14="http://schemas.microsoft.com/office/drawing/2010/main">
-                <a:solidFill>
-                  <a:srgbClr val="FFFFFF"/>
-                </a:solidFill>
-              </a14:hiddenFill>
-            </a:ext>
-          </a:extLst>
-        </p:spPr>
       </p:pic>
     </p:spTree>
     <p:extLst>
       <p:ext uri="{BB962C8B-B14F-4D97-AF65-F5344CB8AC3E}">
-        <p14:creationId xmlns:p14="http://schemas.microsoft.com/office/powerpoint/2010/main" val="404669511"/>
+        <p14:creationId xmlns:p14="http://schemas.microsoft.com/office/powerpoint/2010/main" val="2137781004"/>
       </p:ext>
     </p:extLst>
   </p:cSld>
@@ -18148,7 +17873,7 @@
           <p:cNvPr id="2" name="제목 1">
             <a:extLst>
               <a:ext uri="{FF2B5EF4-FFF2-40B4-BE49-F238E27FC236}">
-                <a16:creationId xmlns:a16="http://schemas.microsoft.com/office/drawing/2014/main" id="{5B655899-1FCE-484A-B825-64DE3FED2992}"/>
+                <a16:creationId xmlns:a16="http://schemas.microsoft.com/office/drawing/2014/main" id="{650BE042-BF9E-4A39-A1F2-1D47AB235434}"/>
               </a:ext>
             </a:extLst>
           </p:cNvPr>
@@ -18166,15 +17891,7 @@
           <a:p>
             <a:r>
               <a:rPr lang="ko-KR" altLang="en-US"/>
-              <a:t>섹션 </a:t>
-            </a:r>
-            <a:r>
-              <a:rPr lang="en-US" altLang="ko-KR"/>
-              <a:t>6 </a:t>
-            </a:r>
-            <a:r>
-              <a:rPr lang="ko-KR" altLang="en-US"/>
-              <a:t>결과</a:t>
+              <a:t>우리가 사용하는 블럭암호기술</a:t>
             </a:r>
           </a:p>
         </p:txBody>
@@ -18184,7 +17901,7 @@
           <p:cNvPr id="3" name="내용 개체 틀 2">
             <a:extLst>
               <a:ext uri="{FF2B5EF4-FFF2-40B4-BE49-F238E27FC236}">
-                <a16:creationId xmlns:a16="http://schemas.microsoft.com/office/drawing/2014/main" id="{BD080E5A-2AD0-405E-956C-4CF880B28BB3}"/>
+                <a16:creationId xmlns:a16="http://schemas.microsoft.com/office/drawing/2014/main" id="{841C357C-F992-42F9-8075-8A19A4E2D7E2}"/>
               </a:ext>
             </a:extLst>
           </p:cNvPr>
@@ -18203,12 +17920,110 @@
           <a:lstStyle/>
           <a:p>
             <a:r>
+              <a:rPr lang="ko-KR" altLang="en-US">
+                <a:solidFill>
+                  <a:srgbClr val="FF0000"/>
+                </a:solidFill>
+              </a:rPr>
+              <a:t>다양한 암호화 알고리즘을 실행 시점에 선택하고 사용할 수 있게 해야 함</a:t>
+            </a:r>
+            <a:endParaRPr lang="en-US" altLang="ko-KR">
+              <a:solidFill>
+                <a:srgbClr val="FF0000"/>
+              </a:solidFill>
+            </a:endParaRPr>
+          </a:p>
+          <a:p>
+            <a:pPr marL="457200" lvl="2" indent="-228600">
+              <a:spcBef>
+                <a:spcPts val="1800"/>
+              </a:spcBef>
+            </a:pPr>
+            <a:r>
+              <a:rPr lang="en-US" altLang="ko-KR" sz="1800"/>
+              <a:t>Crypt</a:t>
+            </a:r>
+          </a:p>
+          <a:p>
+            <a:pPr marL="685800" lvl="3" indent="-228600">
+              <a:spcBef>
+                <a:spcPts val="1800"/>
+              </a:spcBef>
+            </a:pPr>
+            <a:r>
+              <a:rPr lang="ko-KR" altLang="en-US" sz="1600"/>
+              <a:t>인터페이스</a:t>
+            </a:r>
+            <a:r>
+              <a:rPr lang="en-US" altLang="ko-KR" sz="1600"/>
+              <a:t>, encrypt, decrypt </a:t>
+            </a:r>
+            <a:r>
+              <a:rPr lang="ko-KR" altLang="en-US" sz="1600"/>
+              <a:t>틀 정의</a:t>
+            </a:r>
+            <a:endParaRPr lang="en-US" altLang="ko-KR" sz="1600"/>
+          </a:p>
+          <a:p>
+            <a:pPr marL="685800" lvl="3" indent="-228600">
+              <a:spcBef>
+                <a:spcPts val="1800"/>
+              </a:spcBef>
+            </a:pPr>
+            <a:r>
+              <a:rPr lang="ko-KR" altLang="en-US" sz="1600"/>
+              <a:t>다양한 블럭암호화 코드를 추상화 함</a:t>
+            </a:r>
+            <a:endParaRPr lang="en-US" altLang="ko-KR" sz="1600"/>
+          </a:p>
+          <a:p>
+            <a:pPr lvl="1"/>
+            <a:r>
               <a:rPr lang="en-US" altLang="ko-KR"/>
               <a:t>DataCrypt</a:t>
             </a:r>
+          </a:p>
+          <a:p>
+            <a:pPr lvl="2"/>
             <a:r>
               <a:rPr lang="ko-KR" altLang="en-US"/>
-              <a:t> 완성</a:t>
+              <a:t>팩토리클래스</a:t>
+            </a:r>
+            <a:endParaRPr lang="en-US" altLang="ko-KR"/>
+          </a:p>
+          <a:p>
+            <a:pPr lvl="2"/>
+            <a:r>
+              <a:rPr lang="ko-KR" altLang="en-US"/>
+              <a:t>실행시점에 알고리즘 결정</a:t>
+            </a:r>
+            <a:r>
+              <a:rPr lang="en-US" altLang="ko-KR"/>
+              <a:t>, </a:t>
+            </a:r>
+            <a:r>
+              <a:rPr lang="ko-KR" altLang="en-US"/>
+              <a:t>기능 제공</a:t>
+            </a:r>
+            <a:endParaRPr lang="en-US" altLang="ko-KR"/>
+          </a:p>
+          <a:p>
+            <a:pPr lvl="1"/>
+            <a:r>
+              <a:rPr lang="ko-KR" altLang="en-US"/>
+              <a:t>구현클래스</a:t>
+            </a:r>
+            <a:endParaRPr lang="en-US" altLang="ko-KR"/>
+          </a:p>
+          <a:p>
+            <a:pPr lvl="2"/>
+            <a:r>
+              <a:rPr lang="en-US" altLang="ko-KR"/>
+              <a:t>Aria_CBC_PKCS7, Aes_CBC_PKCS7 </a:t>
+            </a:r>
+            <a:r>
+              <a:rPr lang="ko-KR" altLang="en-US"/>
+              <a:t>등</a:t>
             </a:r>
             <a:endParaRPr lang="en-US" altLang="ko-KR"/>
           </a:p>
@@ -18220,7 +18035,7 @@
             <a:hlinkClick r:id="rId2"/>
             <a:extLst>
               <a:ext uri="{FF2B5EF4-FFF2-40B4-BE49-F238E27FC236}">
-                <a16:creationId xmlns:a16="http://schemas.microsoft.com/office/drawing/2014/main" id="{CF44C149-D7C7-43C7-985B-4B763F15CD33}"/>
+                <a16:creationId xmlns:a16="http://schemas.microsoft.com/office/drawing/2014/main" id="{F076C27F-68B6-4FAD-8052-6B6CB8F8FB18}"/>
               </a:ext>
             </a:extLst>
           </p:cNvPr>
@@ -18244,8 +18059,8 @@
         </p:blipFill>
         <p:spPr bwMode="auto">
           <a:xfrm>
-            <a:off x="4803159" y="1297894"/>
-            <a:ext cx="5821298" cy="4899291"/>
+            <a:off x="7587426" y="2625028"/>
+            <a:ext cx="3762018" cy="3166171"/>
           </a:xfrm>
           <a:prstGeom prst="rect">
             <a:avLst/>
@@ -18265,7 +18080,7 @@
     </p:spTree>
     <p:extLst>
       <p:ext uri="{BB962C8B-B14F-4D97-AF65-F5344CB8AC3E}">
-        <p14:creationId xmlns:p14="http://schemas.microsoft.com/office/powerpoint/2010/main" val="3680456437"/>
+        <p14:creationId xmlns:p14="http://schemas.microsoft.com/office/powerpoint/2010/main" val="2660179067"/>
       </p:ext>
     </p:extLst>
   </p:cSld>

--- a/inflearn06/doc/6.암호화기능을구현합니다.pptx
+++ b/inflearn06/doc/6.암호화기능을구현합니다.pptx
@@ -646,7 +646,7 @@
                 <a:latin typeface="맑은 고딕" panose="020B0503020000020004" pitchFamily="50" charset="-127"/>
                 <a:ea typeface="맑은 고딕" panose="020B0503020000020004" pitchFamily="50" charset="-127"/>
               </a:rPr>
-              <a:t>2021년 8월 6일</a:t>
+              <a:t>2021년 8월 8일</a:t>
             </a:fld>
             <a:endParaRPr lang="ko-KR" altLang="en-US">
               <a:latin typeface="맑은 고딕" panose="020B0503020000020004" pitchFamily="50" charset="-127"/>
@@ -832,7 +832,7 @@
             <a:fld id="{BE16EC8A-0758-4FA9-BF4D-3119057076D1}" type="datetime4">
               <a:rPr lang="ko-KR" altLang="en-US" smtClean="0"/>
               <a:pPr/>
-              <a:t>2021년 8월 6일</a:t>
+              <a:t>2021년 8월 8일</a:t>
             </a:fld>
             <a:endParaRPr lang="ko-KR" altLang="en-US"/>
           </a:p>
@@ -3408,7 +3408,7 @@
           <a:p>
             <a:fld id="{2A5B65E4-62A8-4988-B07B-5D6D443B14ED}" type="datetime4">
               <a:rPr lang="ko-KR" altLang="en-US" smtClean="0"/>
-              <a:t>2021년 8월 6일</a:t>
+              <a:t>2021년 8월 8일</a:t>
             </a:fld>
             <a:endParaRPr lang="ko-KR" altLang="en-US"/>
           </a:p>
@@ -3664,7 +3664,7 @@
           <a:p>
             <a:fld id="{58EB6286-0DE7-4336-9826-977AD102FCF2}" type="datetime4">
               <a:rPr lang="ko-KR" altLang="en-US" noProof="0" smtClean="0"/>
-              <a:t>2021년 8월 6일</a:t>
+              <a:t>2021년 8월 8일</a:t>
             </a:fld>
             <a:endParaRPr lang="ko-KR" altLang="en-US" noProof="0"/>
           </a:p>
@@ -3860,7 +3860,7 @@
             <a:pPr rtl="0"/>
             <a:fld id="{6A5419DA-7218-42E5-A443-F000500111E1}" type="datetime4">
               <a:rPr lang="ko-KR" altLang="en-US" noProof="0" smtClean="0"/>
-              <a:t>2021년 8월 6일</a:t>
+              <a:t>2021년 8월 8일</a:t>
             </a:fld>
             <a:endParaRPr lang="ko-KR" altLang="en-US" noProof="0"/>
           </a:p>
@@ -6261,7 +6261,7 @@
           <a:p>
             <a:fld id="{E498C52F-1DF1-4226-BAB6-C1E2EE4C9D62}" type="datetime4">
               <a:rPr lang="ko-KR" altLang="en-US" noProof="0" smtClean="0"/>
-              <a:t>2021년 8월 6일</a:t>
+              <a:t>2021년 8월 8일</a:t>
             </a:fld>
             <a:endParaRPr lang="ko-KR" altLang="en-US" noProof="0"/>
           </a:p>
@@ -6780,7 +6780,7 @@
           <a:p>
             <a:fld id="{7B1E1FFC-F755-4558-8D3C-A157D1A01A8A}" type="datetime4">
               <a:rPr lang="ko-KR" altLang="en-US" noProof="0" smtClean="0"/>
-              <a:t>2021년 8월 6일</a:t>
+              <a:t>2021년 8월 8일</a:t>
             </a:fld>
             <a:endParaRPr lang="ko-KR" altLang="en-US" noProof="0"/>
           </a:p>
@@ -6924,7 +6924,7 @@
             <a:pPr rtl="0"/>
             <a:fld id="{DA2A33C0-A4A8-4C90-B6DA-35B8CF58C816}" type="datetime4">
               <a:rPr lang="ko-KR" altLang="en-US" noProof="0" smtClean="0"/>
-              <a:t>2021년 8월 6일</a:t>
+              <a:t>2021년 8월 8일</a:t>
             </a:fld>
             <a:endParaRPr lang="ko-KR" altLang="en-US" noProof="0"/>
           </a:p>
@@ -8872,7 +8872,7 @@
           <a:p>
             <a:fld id="{53CB1B8F-A14A-4BE4-A9B9-3B263F04145C}" type="datetime4">
               <a:rPr lang="ko-KR" altLang="en-US" noProof="0" smtClean="0"/>
-              <a:t>2021년 8월 6일</a:t>
+              <a:t>2021년 8월 8일</a:t>
             </a:fld>
             <a:endParaRPr lang="ko-KR" altLang="en-US" noProof="0"/>
           </a:p>
@@ -11169,7 +11169,7 @@
           <a:p>
             <a:fld id="{5B9196A3-957C-4113-A568-B6ED9AEA3D01}" type="datetime4">
               <a:rPr lang="ko-KR" altLang="en-US" noProof="0" smtClean="0"/>
-              <a:t>2021년 8월 6일</a:t>
+              <a:t>2021년 8월 8일</a:t>
             </a:fld>
             <a:endParaRPr lang="ko-KR" altLang="en-US" noProof="0"/>
           </a:p>
@@ -15486,7 +15486,7 @@
           <a:p>
             <a:fld id="{28BEB146-D335-4DA5-9826-58595BCDBE2E}" type="datetime4">
               <a:rPr lang="ko-KR" altLang="en-US" noProof="0" smtClean="0"/>
-              <a:t>2021년 8월 6일</a:t>
+              <a:t>2021년 8월 8일</a:t>
             </a:fld>
             <a:endParaRPr lang="ko-KR" altLang="en-US" noProof="0"/>
           </a:p>
@@ -16830,7 +16830,7 @@
         <p:spPr/>
         <p:txBody>
           <a:bodyPr>
-            <a:normAutofit fontScale="85000" lnSpcReduction="20000"/>
+            <a:normAutofit fontScale="77500" lnSpcReduction="20000"/>
           </a:bodyPr>
           <a:lstStyle/>
           <a:p>
@@ -16990,7 +16990,37 @@
                   <a:srgbClr val="FF0000"/>
                 </a:solidFill>
               </a:rPr>
-              <a:t>가 노출 되었을때 기밀성</a:t>
+              <a:t>가 노출 되면</a:t>
+            </a:r>
+            <a:r>
+              <a:rPr lang="en-US" altLang="ko-KR">
+                <a:solidFill>
+                  <a:srgbClr val="FF0000"/>
+                </a:solidFill>
+              </a:rPr>
+              <a:t> </a:t>
+            </a:r>
+            <a:br>
+              <a:rPr lang="en-US" altLang="ko-KR">
+                <a:solidFill>
+                  <a:srgbClr val="FF0000"/>
+                </a:solidFill>
+              </a:rPr>
+            </a:br>
+            <a:br>
+              <a:rPr lang="en-US" altLang="ko-KR">
+                <a:solidFill>
+                  <a:srgbClr val="FF0000"/>
+                </a:solidFill>
+              </a:rPr>
+            </a:br>
+            <a:r>
+              <a:rPr lang="ko-KR" altLang="en-US">
+                <a:solidFill>
+                  <a:srgbClr val="FF0000"/>
+                </a:solidFill>
+              </a:rPr>
+              <a:t>기밀성</a:t>
             </a:r>
             <a:r>
               <a:rPr lang="en-US" altLang="ko-KR">
@@ -17383,7 +17413,7 @@
         <p:spPr/>
         <p:txBody>
           <a:bodyPr>
-            <a:normAutofit/>
+            <a:normAutofit lnSpcReduction="10000"/>
           </a:bodyPr>
           <a:lstStyle/>
           <a:p>
@@ -17483,8 +17513,12 @@
             <a:pPr lvl="1"/>
             <a:r>
               <a:rPr lang="ko-KR" altLang="en-US"/>
-              <a:t>안정성과 비용의 트레이드오프 </a:t>
-            </a:r>
+              <a:t>안정성과 비용의 트레이드오프</a:t>
+            </a:r>
+            <a:endParaRPr lang="en-US" altLang="ko-KR"/>
+          </a:p>
+          <a:p>
+            <a:pPr lvl="2"/>
             <a:r>
               <a:rPr lang="en-US" altLang="ko-KR"/>
               <a:t>(</a:t>
@@ -17925,7 +17959,22 @@
                   <a:srgbClr val="FF0000"/>
                 </a:solidFill>
               </a:rPr>
-              <a:t>다양한 암호화 알고리즘을 실행 시점에 선택하고 사용할 수 있게 해야 함</a:t>
+              <a:t>다양한 암호화 알고리즘을 실행 시점에 </a:t>
+            </a:r>
+            <a:br>
+              <a:rPr lang="en-US" altLang="ko-KR">
+                <a:solidFill>
+                  <a:srgbClr val="FF0000"/>
+                </a:solidFill>
+              </a:rPr>
+            </a:br>
+            <a:r>
+              <a:rPr lang="ko-KR" altLang="en-US">
+                <a:solidFill>
+                  <a:srgbClr val="FF0000"/>
+                </a:solidFill>
+              </a:rPr>
+              <a:t>선택하고 사용할 수 있게 해야 함</a:t>
             </a:r>
             <a:endParaRPr lang="en-US" altLang="ko-KR">
               <a:solidFill>
@@ -18059,7 +18108,7 @@
         </p:blipFill>
         <p:spPr bwMode="auto">
           <a:xfrm>
-            <a:off x="7587426" y="2625028"/>
+            <a:off x="7317711" y="503853"/>
             <a:ext cx="3762018" cy="3166171"/>
           </a:xfrm>
           <a:prstGeom prst="rect">
